--- a/docsrc/_static/PedaL-Handout-v2.pptx
+++ b/docsrc/_static/PedaL-Handout-v2.pptx
@@ -244,7 +244,7 @@
           <a:p>
             <a:fld id="{7DF12570-5F2C-4FB6-B135-DED5F05028EC}" type="datetimeFigureOut">
               <a:rPr lang="en-US" smtClean="0"/>
-              <a:t>3/10/2020</a:t>
+              <a:t>3/11/2020</a:t>
             </a:fld>
             <a:endParaRPr lang="en-US"/>
           </a:p>
@@ -414,7 +414,7 @@
           <a:p>
             <a:fld id="{7DF12570-5F2C-4FB6-B135-DED5F05028EC}" type="datetimeFigureOut">
               <a:rPr lang="en-US" smtClean="0"/>
-              <a:t>3/10/2020</a:t>
+              <a:t>3/11/2020</a:t>
             </a:fld>
             <a:endParaRPr lang="en-US"/>
           </a:p>
@@ -594,7 +594,7 @@
           <a:p>
             <a:fld id="{7DF12570-5F2C-4FB6-B135-DED5F05028EC}" type="datetimeFigureOut">
               <a:rPr lang="en-US" smtClean="0"/>
-              <a:t>3/10/2020</a:t>
+              <a:t>3/11/2020</a:t>
             </a:fld>
             <a:endParaRPr lang="en-US"/>
           </a:p>
@@ -764,7 +764,7 @@
           <a:p>
             <a:fld id="{7DF12570-5F2C-4FB6-B135-DED5F05028EC}" type="datetimeFigureOut">
               <a:rPr lang="en-US" smtClean="0"/>
-              <a:t>3/10/2020</a:t>
+              <a:t>3/11/2020</a:t>
             </a:fld>
             <a:endParaRPr lang="en-US"/>
           </a:p>
@@ -1008,7 +1008,7 @@
           <a:p>
             <a:fld id="{7DF12570-5F2C-4FB6-B135-DED5F05028EC}" type="datetimeFigureOut">
               <a:rPr lang="en-US" smtClean="0"/>
-              <a:t>3/10/2020</a:t>
+              <a:t>3/11/2020</a:t>
             </a:fld>
             <a:endParaRPr lang="en-US"/>
           </a:p>
@@ -1240,7 +1240,7 @@
           <a:p>
             <a:fld id="{7DF12570-5F2C-4FB6-B135-DED5F05028EC}" type="datetimeFigureOut">
               <a:rPr lang="en-US" smtClean="0"/>
-              <a:t>3/10/2020</a:t>
+              <a:t>3/11/2020</a:t>
             </a:fld>
             <a:endParaRPr lang="en-US"/>
           </a:p>
@@ -1607,7 +1607,7 @@
           <a:p>
             <a:fld id="{7DF12570-5F2C-4FB6-B135-DED5F05028EC}" type="datetimeFigureOut">
               <a:rPr lang="en-US" smtClean="0"/>
-              <a:t>3/10/2020</a:t>
+              <a:t>3/11/2020</a:t>
             </a:fld>
             <a:endParaRPr lang="en-US"/>
           </a:p>
@@ -1725,7 +1725,7 @@
           <a:p>
             <a:fld id="{7DF12570-5F2C-4FB6-B135-DED5F05028EC}" type="datetimeFigureOut">
               <a:rPr lang="en-US" smtClean="0"/>
-              <a:t>3/10/2020</a:t>
+              <a:t>3/11/2020</a:t>
             </a:fld>
             <a:endParaRPr lang="en-US"/>
           </a:p>
@@ -1820,7 +1820,7 @@
           <a:p>
             <a:fld id="{7DF12570-5F2C-4FB6-B135-DED5F05028EC}" type="datetimeFigureOut">
               <a:rPr lang="en-US" smtClean="0"/>
-              <a:t>3/10/2020</a:t>
+              <a:t>3/11/2020</a:t>
             </a:fld>
             <a:endParaRPr lang="en-US"/>
           </a:p>
@@ -2097,7 +2097,7 @@
           <a:p>
             <a:fld id="{7DF12570-5F2C-4FB6-B135-DED5F05028EC}" type="datetimeFigureOut">
               <a:rPr lang="en-US" smtClean="0"/>
-              <a:t>3/10/2020</a:t>
+              <a:t>3/11/2020</a:t>
             </a:fld>
             <a:endParaRPr lang="en-US"/>
           </a:p>
@@ -2354,7 +2354,7 @@
           <a:p>
             <a:fld id="{7DF12570-5F2C-4FB6-B135-DED5F05028EC}" type="datetimeFigureOut">
               <a:rPr lang="en-US" smtClean="0"/>
-              <a:t>3/10/2020</a:t>
+              <a:t>3/11/2020</a:t>
             </a:fld>
             <a:endParaRPr lang="en-US"/>
           </a:p>
@@ -2567,7 +2567,7 @@
           <a:p>
             <a:fld id="{7DF12570-5F2C-4FB6-B135-DED5F05028EC}" type="datetimeFigureOut">
               <a:rPr lang="en-US" smtClean="0"/>
-              <a:t>3/10/2020</a:t>
+              <a:t>3/11/2020</a:t>
             </a:fld>
             <a:endParaRPr lang="en-US"/>
           </a:p>
